--- a/data-center-2016-c03.pptx
+++ b/data-center-2016-c03.pptx
@@ -3624,7 +3624,7 @@
           <a:p>
             <a:fld id="{1F43A38B-B670-42C4-AECA-F26E06CFF6E9}" type="datetimeFigureOut">
               <a:rPr lang="zh-CN" altLang="en-US" smtClean="0"/>
-              <a:t>2016/11/16</a:t>
+              <a:t>2016/11/18</a:t>
             </a:fld>
             <a:endParaRPr lang="zh-CN" altLang="en-US"/>
           </a:p>
@@ -5510,7 +5510,7 @@
           <a:p>
             <a:fld id="{59890BD5-1E1C-4C30-A502-83AE4551E3F9}" type="datetimeFigureOut">
               <a:rPr lang="zh-CN" altLang="en-US" smtClean="0"/>
-              <a:t>2016/11/16</a:t>
+              <a:t>2016/11/18</a:t>
             </a:fld>
             <a:endParaRPr lang="zh-CN" altLang="en-US"/>
           </a:p>
@@ -5680,7 +5680,7 @@
           <a:p>
             <a:fld id="{59890BD5-1E1C-4C30-A502-83AE4551E3F9}" type="datetimeFigureOut">
               <a:rPr lang="zh-CN" altLang="en-US" smtClean="0"/>
-              <a:t>2016/11/16</a:t>
+              <a:t>2016/11/18</a:t>
             </a:fld>
             <a:endParaRPr lang="zh-CN" altLang="en-US"/>
           </a:p>
@@ -5860,7 +5860,7 @@
           <a:p>
             <a:fld id="{59890BD5-1E1C-4C30-A502-83AE4551E3F9}" type="datetimeFigureOut">
               <a:rPr lang="zh-CN" altLang="en-US" smtClean="0"/>
-              <a:t>2016/11/16</a:t>
+              <a:t>2016/11/18</a:t>
             </a:fld>
             <a:endParaRPr lang="zh-CN" altLang="en-US"/>
           </a:p>
@@ -6030,7 +6030,7 @@
           <a:p>
             <a:fld id="{59890BD5-1E1C-4C30-A502-83AE4551E3F9}" type="datetimeFigureOut">
               <a:rPr lang="zh-CN" altLang="en-US" smtClean="0"/>
-              <a:t>2016/11/16</a:t>
+              <a:t>2016/11/18</a:t>
             </a:fld>
             <a:endParaRPr lang="zh-CN" altLang="en-US"/>
           </a:p>
@@ -6274,7 +6274,7 @@
           <a:p>
             <a:fld id="{59890BD5-1E1C-4C30-A502-83AE4551E3F9}" type="datetimeFigureOut">
               <a:rPr lang="zh-CN" altLang="en-US" smtClean="0"/>
-              <a:t>2016/11/16</a:t>
+              <a:t>2016/11/18</a:t>
             </a:fld>
             <a:endParaRPr lang="zh-CN" altLang="en-US"/>
           </a:p>
@@ -6506,7 +6506,7 @@
           <a:p>
             <a:fld id="{59890BD5-1E1C-4C30-A502-83AE4551E3F9}" type="datetimeFigureOut">
               <a:rPr lang="zh-CN" altLang="en-US" smtClean="0"/>
-              <a:t>2016/11/16</a:t>
+              <a:t>2016/11/18</a:t>
             </a:fld>
             <a:endParaRPr lang="zh-CN" altLang="en-US"/>
           </a:p>
@@ -6873,7 +6873,7 @@
           <a:p>
             <a:fld id="{59890BD5-1E1C-4C30-A502-83AE4551E3F9}" type="datetimeFigureOut">
               <a:rPr lang="zh-CN" altLang="en-US" smtClean="0"/>
-              <a:t>2016/11/16</a:t>
+              <a:t>2016/11/18</a:t>
             </a:fld>
             <a:endParaRPr lang="zh-CN" altLang="en-US"/>
           </a:p>
@@ -6991,7 +6991,7 @@
           <a:p>
             <a:fld id="{59890BD5-1E1C-4C30-A502-83AE4551E3F9}" type="datetimeFigureOut">
               <a:rPr lang="zh-CN" altLang="en-US" smtClean="0"/>
-              <a:t>2016/11/16</a:t>
+              <a:t>2016/11/18</a:t>
             </a:fld>
             <a:endParaRPr lang="zh-CN" altLang="en-US"/>
           </a:p>
@@ -7086,7 +7086,7 @@
           <a:p>
             <a:fld id="{59890BD5-1E1C-4C30-A502-83AE4551E3F9}" type="datetimeFigureOut">
               <a:rPr lang="zh-CN" altLang="en-US" smtClean="0"/>
-              <a:t>2016/11/16</a:t>
+              <a:t>2016/11/18</a:t>
             </a:fld>
             <a:endParaRPr lang="zh-CN" altLang="en-US"/>
           </a:p>
@@ -7363,7 +7363,7 @@
           <a:p>
             <a:fld id="{59890BD5-1E1C-4C30-A502-83AE4551E3F9}" type="datetimeFigureOut">
               <a:rPr lang="zh-CN" altLang="en-US" smtClean="0"/>
-              <a:t>2016/11/16</a:t>
+              <a:t>2016/11/18</a:t>
             </a:fld>
             <a:endParaRPr lang="zh-CN" altLang="en-US"/>
           </a:p>
@@ -7620,7 +7620,7 @@
           <a:p>
             <a:fld id="{59890BD5-1E1C-4C30-A502-83AE4551E3F9}" type="datetimeFigureOut">
               <a:rPr lang="zh-CN" altLang="en-US" smtClean="0"/>
-              <a:t>2016/11/16</a:t>
+              <a:t>2016/11/18</a:t>
             </a:fld>
             <a:endParaRPr lang="zh-CN" altLang="en-US"/>
           </a:p>
@@ -7833,7 +7833,7 @@
           <a:p>
             <a:fld id="{59890BD5-1E1C-4C30-A502-83AE4551E3F9}" type="datetimeFigureOut">
               <a:rPr lang="zh-CN" altLang="en-US" smtClean="0"/>
-              <a:t>2016/11/16</a:t>
+              <a:t>2016/11/18</a:t>
             </a:fld>
             <a:endParaRPr lang="zh-CN" altLang="en-US"/>
           </a:p>
@@ -14925,10 +14925,16 @@
               <a:t>课程主页 </a:t>
             </a:r>
             <a:r>
+              <a:rPr lang="en-US" altLang="zh-CN" sz="2000" dirty="0">
+                <a:hlinkClick r:id="rId2"/>
+              </a:rPr>
+              <a:t>https://</a:t>
+            </a:r>
+            <a:r>
               <a:rPr lang="en-US" altLang="zh-CN" sz="2000" dirty="0" smtClean="0">
                 <a:hlinkClick r:id="rId2"/>
               </a:rPr>
-              <a:t>http://cs210-566.github.io</a:t>
+              <a:t>github.com/cs210-566</a:t>
             </a:r>
             <a:endParaRPr lang="en-US" altLang="zh-CN" dirty="0" smtClean="0"/>
           </a:p>
@@ -14948,18 +14954,13 @@
               <a:t>zshi@hust.edu.cn</a:t>
             </a:r>
             <a:r>
-              <a:rPr lang="zh-CN" altLang="en-US" sz="2000" dirty="0" smtClean="0">
-                <a:hlinkClick r:id="rId3"/>
-              </a:rPr>
+              <a:rPr lang="zh-CN" altLang="en-US" sz="2000" dirty="0" smtClean="0"/>
               <a:t>，</a:t>
             </a:r>
             <a:r>
-              <a:rPr lang="en-US" altLang="zh-CN" sz="2000" dirty="0" smtClean="0">
-                <a:hlinkClick r:id="rId3"/>
-              </a:rPr>
+              <a:rPr lang="en-US" altLang="zh-CN" sz="2000" dirty="0" smtClean="0"/>
               <a:t>13971459597</a:t>
             </a:r>
-            <a:endParaRPr lang="en-US" altLang="zh-CN" sz="2000" dirty="0" smtClean="0"/>
           </a:p>
           <a:p>
             <a:r>
@@ -14971,8 +14972,50 @@
           <a:p>
             <a:pPr lvl="1"/>
             <a:r>
+              <a:rPr lang="zh-CN" altLang="en-US" sz="1400" dirty="0"/>
+              <a:t>云计算与分布式系统</a:t>
+            </a:r>
+            <a:r>
               <a:rPr lang="en-US" altLang="zh-CN" sz="1400" dirty="0"/>
-              <a:t>Barroso, </a:t>
+              <a:t>——</a:t>
+            </a:r>
+            <a:r>
+              <a:rPr lang="zh-CN" altLang="en-US" sz="1400" dirty="0"/>
+              <a:t>从并行处理到物联网，机械工业出版社，</a:t>
+            </a:r>
+            <a:r>
+              <a:rPr lang="en-US" altLang="zh-CN" sz="1400" dirty="0"/>
+              <a:t>2012</a:t>
+            </a:r>
+          </a:p>
+          <a:p>
+            <a:pPr lvl="1"/>
+            <a:r>
+              <a:rPr lang="zh-CN" altLang="en-US" sz="1400" dirty="0"/>
+              <a:t>云计算</a:t>
+            </a:r>
+            <a:r>
+              <a:rPr lang="en-US" altLang="zh-CN" sz="1400" dirty="0"/>
+              <a:t>——</a:t>
+            </a:r>
+            <a:r>
+              <a:rPr lang="zh-CN" altLang="en-US" sz="1400" dirty="0"/>
+              <a:t>概念、技术与架构，机械工业出版社，</a:t>
+            </a:r>
+            <a:r>
+              <a:rPr lang="en-US" altLang="zh-CN" sz="1400" dirty="0"/>
+              <a:t>2014</a:t>
+            </a:r>
+          </a:p>
+          <a:p>
+            <a:pPr lvl="1"/>
+            <a:r>
+              <a:rPr lang="en-US" altLang="zh-CN" sz="1400" dirty="0" smtClean="0"/>
+              <a:t>Barroso</a:t>
+            </a:r>
+            <a:r>
+              <a:rPr lang="en-US" altLang="zh-CN" sz="1400" dirty="0"/>
+              <a:t>, </a:t>
             </a:r>
             <a:r>
               <a:rPr lang="en-US" altLang="zh-CN" sz="1400" dirty="0" err="1"/>
